--- a/Guide rapide de Git.pptx
+++ b/Guide rapide de Git.pptx
@@ -845,7 +845,7 @@
           <a:p>
             <a:fld id="{9DB4C68D-153B-4975-BFF2-84E18B7BC232}" type="datetimeFigureOut">
               <a:rPr lang="fr-FR" smtClean="0"/>
-              <a:t>05/04/2020</a:t>
+              <a:t>06/04/2020</a:t>
             </a:fld>
             <a:endParaRPr lang="fr-FR"/>
           </a:p>
@@ -1096,7 +1096,7 @@
           <a:p>
             <a:fld id="{9DB4C68D-153B-4975-BFF2-84E18B7BC232}" type="datetimeFigureOut">
               <a:rPr lang="fr-FR" smtClean="0"/>
-              <a:t>05/04/2020</a:t>
+              <a:t>06/04/2020</a:t>
             </a:fld>
             <a:endParaRPr lang="fr-FR"/>
           </a:p>
@@ -1410,7 +1410,7 @@
           <a:p>
             <a:fld id="{9DB4C68D-153B-4975-BFF2-84E18B7BC232}" type="datetimeFigureOut">
               <a:rPr lang="fr-FR" smtClean="0"/>
-              <a:t>05/04/2020</a:t>
+              <a:t>06/04/2020</a:t>
             </a:fld>
             <a:endParaRPr lang="fr-FR"/>
           </a:p>
@@ -1751,7 +1751,7 @@
           <a:p>
             <a:fld id="{9DB4C68D-153B-4975-BFF2-84E18B7BC232}" type="datetimeFigureOut">
               <a:rPr lang="fr-FR" smtClean="0"/>
-              <a:t>05/04/2020</a:t>
+              <a:t>06/04/2020</a:t>
             </a:fld>
             <a:endParaRPr lang="fr-FR"/>
           </a:p>
@@ -2065,7 +2065,7 @@
           <a:p>
             <a:fld id="{9DB4C68D-153B-4975-BFF2-84E18B7BC232}" type="datetimeFigureOut">
               <a:rPr lang="fr-FR" smtClean="0"/>
-              <a:t>05/04/2020</a:t>
+              <a:t>06/04/2020</a:t>
             </a:fld>
             <a:endParaRPr lang="fr-FR"/>
           </a:p>
@@ -2458,7 +2458,7 @@
           <a:p>
             <a:fld id="{9DB4C68D-153B-4975-BFF2-84E18B7BC232}" type="datetimeFigureOut">
               <a:rPr lang="fr-FR" smtClean="0"/>
-              <a:t>05/04/2020</a:t>
+              <a:t>06/04/2020</a:t>
             </a:fld>
             <a:endParaRPr lang="fr-FR"/>
           </a:p>
@@ -2628,7 +2628,7 @@
           <a:p>
             <a:fld id="{9DB4C68D-153B-4975-BFF2-84E18B7BC232}" type="datetimeFigureOut">
               <a:rPr lang="fr-FR" smtClean="0"/>
-              <a:t>05/04/2020</a:t>
+              <a:t>06/04/2020</a:t>
             </a:fld>
             <a:endParaRPr lang="fr-FR"/>
           </a:p>
@@ -2808,7 +2808,7 @@
           <a:p>
             <a:fld id="{9DB4C68D-153B-4975-BFF2-84E18B7BC232}" type="datetimeFigureOut">
               <a:rPr lang="fr-FR" smtClean="0"/>
-              <a:t>05/04/2020</a:t>
+              <a:t>06/04/2020</a:t>
             </a:fld>
             <a:endParaRPr lang="fr-FR"/>
           </a:p>
@@ -2984,7 +2984,7 @@
           <a:p>
             <a:fld id="{9DB4C68D-153B-4975-BFF2-84E18B7BC232}" type="datetimeFigureOut">
               <a:rPr lang="fr-FR" smtClean="0"/>
-              <a:t>05/04/2020</a:t>
+              <a:t>06/04/2020</a:t>
             </a:fld>
             <a:endParaRPr lang="fr-FR"/>
           </a:p>
@@ -3231,7 +3231,7 @@
           <a:p>
             <a:fld id="{9DB4C68D-153B-4975-BFF2-84E18B7BC232}" type="datetimeFigureOut">
               <a:rPr lang="fr-FR" smtClean="0"/>
-              <a:t>05/04/2020</a:t>
+              <a:t>06/04/2020</a:t>
             </a:fld>
             <a:endParaRPr lang="fr-FR"/>
           </a:p>
@@ -3463,7 +3463,7 @@
           <a:p>
             <a:fld id="{9DB4C68D-153B-4975-BFF2-84E18B7BC232}" type="datetimeFigureOut">
               <a:rPr lang="fr-FR" smtClean="0"/>
-              <a:t>05/04/2020</a:t>
+              <a:t>06/04/2020</a:t>
             </a:fld>
             <a:endParaRPr lang="fr-FR"/>
           </a:p>
@@ -3837,7 +3837,7 @@
           <a:p>
             <a:fld id="{9DB4C68D-153B-4975-BFF2-84E18B7BC232}" type="datetimeFigureOut">
               <a:rPr lang="fr-FR" smtClean="0"/>
-              <a:t>05/04/2020</a:t>
+              <a:t>06/04/2020</a:t>
             </a:fld>
             <a:endParaRPr lang="fr-FR"/>
           </a:p>
@@ -3960,7 +3960,7 @@
           <a:p>
             <a:fld id="{9DB4C68D-153B-4975-BFF2-84E18B7BC232}" type="datetimeFigureOut">
               <a:rPr lang="fr-FR" smtClean="0"/>
-              <a:t>05/04/2020</a:t>
+              <a:t>06/04/2020</a:t>
             </a:fld>
             <a:endParaRPr lang="fr-FR"/>
           </a:p>
@@ -4055,7 +4055,7 @@
           <a:p>
             <a:fld id="{9DB4C68D-153B-4975-BFF2-84E18B7BC232}" type="datetimeFigureOut">
               <a:rPr lang="fr-FR" smtClean="0"/>
-              <a:t>05/04/2020</a:t>
+              <a:t>06/04/2020</a:t>
             </a:fld>
             <a:endParaRPr lang="fr-FR"/>
           </a:p>
@@ -4310,7 +4310,7 @@
           <a:p>
             <a:fld id="{9DB4C68D-153B-4975-BFF2-84E18B7BC232}" type="datetimeFigureOut">
               <a:rPr lang="fr-FR" smtClean="0"/>
-              <a:t>05/04/2020</a:t>
+              <a:t>06/04/2020</a:t>
             </a:fld>
             <a:endParaRPr lang="fr-FR"/>
           </a:p>
@@ -4573,7 +4573,7 @@
           <a:p>
             <a:fld id="{9DB4C68D-153B-4975-BFF2-84E18B7BC232}" type="datetimeFigureOut">
               <a:rPr lang="fr-FR" smtClean="0"/>
-              <a:t>05/04/2020</a:t>
+              <a:t>06/04/2020</a:t>
             </a:fld>
             <a:endParaRPr lang="fr-FR"/>
           </a:p>
@@ -5316,7 +5316,7 @@
           <a:p>
             <a:fld id="{9DB4C68D-153B-4975-BFF2-84E18B7BC232}" type="datetimeFigureOut">
               <a:rPr lang="fr-FR" smtClean="0"/>
-              <a:t>05/04/2020</a:t>
+              <a:t>06/04/2020</a:t>
             </a:fld>
             <a:endParaRPr lang="fr-FR"/>
           </a:p>
@@ -6714,7 +6714,7 @@
         </p:nvSpPr>
         <p:spPr>
           <a:xfrm>
-            <a:off x="778701" y="4446137"/>
+            <a:off x="903961" y="4385942"/>
             <a:ext cx="8766132" cy="1200329"/>
           </a:xfrm>
           <a:prstGeom prst="rect">
@@ -9834,8 +9834,8 @@
         </p:nvSpPr>
         <p:spPr>
           <a:xfrm>
-            <a:off x="734858" y="2373891"/>
-            <a:ext cx="3049890" cy="646331"/>
+            <a:off x="1011382" y="2373892"/>
+            <a:ext cx="2773366" cy="646331"/>
           </a:xfrm>
           <a:prstGeom prst="rect">
             <a:avLst/>
@@ -10646,7 +10646,7 @@
         </p:nvSpPr>
         <p:spPr>
           <a:xfrm>
-            <a:off x="584541" y="3218075"/>
+            <a:off x="875486" y="3246946"/>
             <a:ext cx="6063001" cy="646331"/>
           </a:xfrm>
           <a:prstGeom prst="rect">
@@ -10701,7 +10701,7 @@
         </p:nvSpPr>
         <p:spPr>
           <a:xfrm>
-            <a:off x="306881" y="4161932"/>
+            <a:off x="306881" y="3944034"/>
             <a:ext cx="6063001" cy="369332"/>
           </a:xfrm>
           <a:prstGeom prst="rect">
@@ -10736,8 +10736,8 @@
         </p:nvSpPr>
         <p:spPr>
           <a:xfrm>
-            <a:off x="548208" y="4547201"/>
-            <a:ext cx="6135666" cy="1200329"/>
+            <a:off x="664276" y="5890522"/>
+            <a:ext cx="6135666" cy="1015663"/>
           </a:xfrm>
           <a:prstGeom prst="rect">
             <a:avLst/>
@@ -10751,11 +10751,20 @@
           <a:lstStyle/>
           <a:p>
             <a:pPr marL="342900" indent="-342900">
+              <a:buFontTx/>
               <a:buAutoNum type="arabicParenR"/>
             </a:pPr>
             <a:r>
               <a:rPr lang="fr-FR" dirty="0"/>
-              <a:t>Trouver le fichier avec un conflit </a:t>
+              <a:t>Faire </a:t>
+            </a:r>
+            <a:r>
+              <a:rPr lang="fr-FR" dirty="0">
+                <a:solidFill>
+                  <a:srgbClr val="FF0000"/>
+                </a:solidFill>
+              </a:rPr>
+              <a:t>git commit –i</a:t>
             </a:r>
           </a:p>
           <a:p>
@@ -10764,7 +10773,7 @@
             </a:pPr>
             <a:r>
               <a:rPr lang="fr-FR" dirty="0"/>
-              <a:t>L’ouvrir avec son éditeur de texte </a:t>
+              <a:t>taper le commentaire</a:t>
             </a:r>
           </a:p>
           <a:p>
@@ -10773,17 +10782,21 @@
             </a:pPr>
             <a:r>
               <a:rPr lang="fr-FR" dirty="0"/>
-              <a:t>Régler le conflit </a:t>
-            </a:r>
-          </a:p>
-          <a:p>
-            <a:pPr marL="342900" indent="-342900">
-              <a:buAutoNum type="arabicParenR"/>
-            </a:pPr>
+              <a:t>Faire </a:t>
+            </a:r>
+            <a:r>
+              <a:rPr lang="fr-FR" dirty="0" err="1"/>
+              <a:t>echap</a:t>
+            </a:r>
             <a:r>
               <a:rPr lang="fr-FR" dirty="0"/>
-              <a:t>Refaire un commit </a:t>
-            </a:r>
+              <a:t> puis </a:t>
+            </a:r>
+            <a:r>
+              <a:rPr lang="fr-FR" sz="2400" b="1" dirty="0"/>
+              <a:t>:x </a:t>
+            </a:r>
+            <a:endParaRPr lang="fr-FR" b="1" dirty="0"/>
           </a:p>
         </p:txBody>
       </p:sp>
@@ -10809,7 +10822,7 @@
         </p:blipFill>
         <p:spPr>
           <a:xfrm>
-            <a:off x="5459978" y="4128700"/>
+            <a:off x="5501541" y="3159078"/>
             <a:ext cx="5036833" cy="1863337"/>
           </a:xfrm>
           <a:prstGeom prst="rect">
@@ -10831,7 +10844,7 @@
         </p:nvSpPr>
         <p:spPr>
           <a:xfrm>
-            <a:off x="6096000" y="5834374"/>
+            <a:off x="6219694" y="4924474"/>
             <a:ext cx="5417513" cy="461665"/>
           </a:xfrm>
           <a:prstGeom prst="rect">
@@ -10866,6 +10879,106 @@
                 <a:srgbClr val="FF0000"/>
               </a:solidFill>
             </a:endParaRPr>
+          </a:p>
+        </p:txBody>
+      </p:sp>
+      <p:sp>
+        <p:nvSpPr>
+          <p:cNvPr id="12" name="ZoneTexte 11">
+            <a:extLst>
+              <a:ext uri="{FF2B5EF4-FFF2-40B4-BE49-F238E27FC236}">
+                <a16:creationId xmlns:a16="http://schemas.microsoft.com/office/drawing/2014/main" id="{D02CB916-77AA-4799-9B34-8123534EACED}"/>
+              </a:ext>
+            </a:extLst>
+          </p:cNvPr>
+          <p:cNvSpPr txBox="1"/>
+          <p:nvPr/>
+        </p:nvSpPr>
+        <p:spPr>
+          <a:xfrm>
+            <a:off x="306880" y="5526798"/>
+            <a:ext cx="6063001" cy="369332"/>
+          </a:xfrm>
+          <a:prstGeom prst="rect">
+            <a:avLst/>
+          </a:prstGeom>
+          <a:noFill/>
+        </p:spPr>
+        <p:txBody>
+          <a:bodyPr wrap="square" rtlCol="0">
+            <a:spAutoFit/>
+          </a:bodyPr>
+          <a:lstStyle/>
+          <a:p>
+            <a:r>
+              <a:rPr lang="fr-FR" dirty="0"/>
+              <a:t>5/fusionner des branche (merge) </a:t>
+            </a:r>
+          </a:p>
+        </p:txBody>
+      </p:sp>
+      <p:sp>
+        <p:nvSpPr>
+          <p:cNvPr id="13" name="ZoneTexte 12">
+            <a:extLst>
+              <a:ext uri="{FF2B5EF4-FFF2-40B4-BE49-F238E27FC236}">
+                <a16:creationId xmlns:a16="http://schemas.microsoft.com/office/drawing/2014/main" id="{4B5B1394-A315-497C-9972-2FC68F0C5BB4}"/>
+              </a:ext>
+            </a:extLst>
+          </p:cNvPr>
+          <p:cNvSpPr txBox="1"/>
+          <p:nvPr/>
+        </p:nvSpPr>
+        <p:spPr>
+          <a:xfrm>
+            <a:off x="511877" y="4264914"/>
+            <a:ext cx="6135666" cy="1200329"/>
+          </a:xfrm>
+          <a:prstGeom prst="rect">
+            <a:avLst/>
+          </a:prstGeom>
+          <a:noFill/>
+        </p:spPr>
+        <p:txBody>
+          <a:bodyPr wrap="square" rtlCol="0">
+            <a:spAutoFit/>
+          </a:bodyPr>
+          <a:lstStyle/>
+          <a:p>
+            <a:pPr marL="342900" indent="-342900">
+              <a:buAutoNum type="arabicParenR"/>
+            </a:pPr>
+            <a:r>
+              <a:rPr lang="fr-FR" dirty="0"/>
+              <a:t>Trouver le fichier avec un conflit </a:t>
+            </a:r>
+          </a:p>
+          <a:p>
+            <a:pPr marL="342900" indent="-342900">
+              <a:buAutoNum type="arabicParenR"/>
+            </a:pPr>
+            <a:r>
+              <a:rPr lang="fr-FR" dirty="0"/>
+              <a:t>L’ouvrir avec son éditeur de texte </a:t>
+            </a:r>
+          </a:p>
+          <a:p>
+            <a:pPr marL="342900" indent="-342900">
+              <a:buAutoNum type="arabicParenR"/>
+            </a:pPr>
+            <a:r>
+              <a:rPr lang="fr-FR" dirty="0"/>
+              <a:t>Régler le conflit </a:t>
+            </a:r>
+          </a:p>
+          <a:p>
+            <a:pPr marL="342900" indent="-342900">
+              <a:buAutoNum type="arabicParenR"/>
+            </a:pPr>
+            <a:r>
+              <a:rPr lang="fr-FR" dirty="0"/>
+              <a:t>Refaire un commit </a:t>
+            </a:r>
           </a:p>
         </p:txBody>
       </p:sp>
